--- a/docs/songs/king of kings.pptx
+++ b/docs/songs/king of kings.pptx
@@ -314,7 +314,7 @@
             <a:fld id="{26EA1CF3-4A15-4CBF-9A5A-6A56C368BE71}" type="datetimeFigureOut">
               <a:rPr lang="en-GB" smtClean="0"/>
               <a:pPr/>
-              <a:t>03/10/2022</a:t>
+              <a:t>28/10/2024</a:t>
             </a:fld>
             <a:endParaRPr lang="en-GB"/>
           </a:p>
@@ -481,7 +481,7 @@
             <a:fld id="{26EA1CF3-4A15-4CBF-9A5A-6A56C368BE71}" type="datetimeFigureOut">
               <a:rPr lang="en-GB" smtClean="0"/>
               <a:pPr/>
-              <a:t>03/10/2022</a:t>
+              <a:t>28/10/2024</a:t>
             </a:fld>
             <a:endParaRPr lang="en-GB"/>
           </a:p>
@@ -658,7 +658,7 @@
             <a:fld id="{26EA1CF3-4A15-4CBF-9A5A-6A56C368BE71}" type="datetimeFigureOut">
               <a:rPr lang="en-GB" smtClean="0"/>
               <a:pPr/>
-              <a:t>03/10/2022</a:t>
+              <a:t>28/10/2024</a:t>
             </a:fld>
             <a:endParaRPr lang="en-GB"/>
           </a:p>
@@ -825,7 +825,7 @@
             <a:fld id="{26EA1CF3-4A15-4CBF-9A5A-6A56C368BE71}" type="datetimeFigureOut">
               <a:rPr lang="en-GB" smtClean="0"/>
               <a:pPr/>
-              <a:t>03/10/2022</a:t>
+              <a:t>28/10/2024</a:t>
             </a:fld>
             <a:endParaRPr lang="en-GB"/>
           </a:p>
@@ -1068,7 +1068,7 @@
             <a:fld id="{26EA1CF3-4A15-4CBF-9A5A-6A56C368BE71}" type="datetimeFigureOut">
               <a:rPr lang="en-GB" smtClean="0"/>
               <a:pPr/>
-              <a:t>03/10/2022</a:t>
+              <a:t>28/10/2024</a:t>
             </a:fld>
             <a:endParaRPr lang="en-GB"/>
           </a:p>
@@ -1353,7 +1353,7 @@
             <a:fld id="{26EA1CF3-4A15-4CBF-9A5A-6A56C368BE71}" type="datetimeFigureOut">
               <a:rPr lang="en-GB" smtClean="0"/>
               <a:pPr/>
-              <a:t>03/10/2022</a:t>
+              <a:t>28/10/2024</a:t>
             </a:fld>
             <a:endParaRPr lang="en-GB"/>
           </a:p>
@@ -1772,7 +1772,7 @@
             <a:fld id="{26EA1CF3-4A15-4CBF-9A5A-6A56C368BE71}" type="datetimeFigureOut">
               <a:rPr lang="en-GB" smtClean="0"/>
               <a:pPr/>
-              <a:t>03/10/2022</a:t>
+              <a:t>28/10/2024</a:t>
             </a:fld>
             <a:endParaRPr lang="en-GB"/>
           </a:p>
@@ -1887,7 +1887,7 @@
             <a:fld id="{26EA1CF3-4A15-4CBF-9A5A-6A56C368BE71}" type="datetimeFigureOut">
               <a:rPr lang="en-GB" smtClean="0"/>
               <a:pPr/>
-              <a:t>03/10/2022</a:t>
+              <a:t>28/10/2024</a:t>
             </a:fld>
             <a:endParaRPr lang="en-GB"/>
           </a:p>
@@ -1979,7 +1979,7 @@
             <a:fld id="{26EA1CF3-4A15-4CBF-9A5A-6A56C368BE71}" type="datetimeFigureOut">
               <a:rPr lang="en-GB" smtClean="0"/>
               <a:pPr/>
-              <a:t>03/10/2022</a:t>
+              <a:t>28/10/2024</a:t>
             </a:fld>
             <a:endParaRPr lang="en-GB"/>
           </a:p>
@@ -2253,7 +2253,7 @@
             <a:fld id="{26EA1CF3-4A15-4CBF-9A5A-6A56C368BE71}" type="datetimeFigureOut">
               <a:rPr lang="en-GB" smtClean="0"/>
               <a:pPr/>
-              <a:t>03/10/2022</a:t>
+              <a:t>28/10/2024</a:t>
             </a:fld>
             <a:endParaRPr lang="en-GB"/>
           </a:p>
@@ -2503,7 +2503,7 @@
             <a:fld id="{26EA1CF3-4A15-4CBF-9A5A-6A56C368BE71}" type="datetimeFigureOut">
               <a:rPr lang="en-GB" smtClean="0"/>
               <a:pPr/>
-              <a:t>03/10/2022</a:t>
+              <a:t>28/10/2024</a:t>
             </a:fld>
             <a:endParaRPr lang="en-GB"/>
           </a:p>
@@ -2716,7 +2716,7 @@
             <a:fld id="{26EA1CF3-4A15-4CBF-9A5A-6A56C368BE71}" type="datetimeFigureOut">
               <a:rPr lang="en-GB" smtClean="0"/>
               <a:pPr/>
-              <a:t>03/10/2022</a:t>
+              <a:t>28/10/2024</a:t>
             </a:fld>
             <a:endParaRPr lang="en-GB"/>
           </a:p>
@@ -3314,7 +3314,7 @@
         </p:nvSpPr>
         <p:spPr>
           <a:xfrm>
-            <a:off x="323528" y="188640"/>
+            <a:off x="203118" y="692696"/>
             <a:ext cx="8640960" cy="6480720"/>
           </a:xfrm>
         </p:spPr>
@@ -3325,7 +3325,7 @@
           <a:lstStyle/>
           <a:p>
             <a:r>
-              <a:rPr lang="en-GB" sz="4400" dirty="0">
+              <a:rPr lang="en-GB" sz="3600" dirty="0">
                 <a:solidFill>
                   <a:schemeClr val="bg1"/>
                 </a:solidFill>
@@ -3335,7 +3335,7 @@
           </a:p>
           <a:p>
             <a:r>
-              <a:rPr lang="en-GB" sz="4400" dirty="0">
+              <a:rPr lang="en-GB" sz="3600" dirty="0">
                 <a:solidFill>
                   <a:schemeClr val="bg1"/>
                 </a:solidFill>
@@ -3345,7 +3345,7 @@
           </a:p>
           <a:p>
             <a:r>
-              <a:rPr lang="en-GB" sz="4400" dirty="0">
+              <a:rPr lang="en-GB" sz="3600" dirty="0">
                 <a:solidFill>
                   <a:schemeClr val="bg1"/>
                 </a:solidFill>
@@ -3355,7 +3355,7 @@
           </a:p>
           <a:p>
             <a:r>
-              <a:rPr lang="en-GB" sz="4400" dirty="0">
+              <a:rPr lang="en-GB" sz="3600" dirty="0">
                 <a:solidFill>
                   <a:schemeClr val="bg1"/>
                 </a:solidFill>
@@ -3440,7 +3440,7 @@
         </p:nvSpPr>
         <p:spPr>
           <a:xfrm>
-            <a:off x="323528" y="188640"/>
+            <a:off x="251520" y="764704"/>
             <a:ext cx="8640960" cy="6480720"/>
           </a:xfrm>
         </p:spPr>
@@ -3451,7 +3451,7 @@
           <a:lstStyle/>
           <a:p>
             <a:r>
-              <a:rPr lang="en-GB" sz="5400" dirty="0">
+              <a:rPr lang="en-GB" sz="3600" dirty="0">
                 <a:solidFill>
                   <a:schemeClr val="bg1"/>
                 </a:solidFill>
@@ -3461,7 +3461,7 @@
           </a:p>
           <a:p>
             <a:r>
-              <a:rPr lang="en-GB" sz="5400" dirty="0">
+              <a:rPr lang="en-GB" sz="3600" dirty="0">
                 <a:solidFill>
                   <a:schemeClr val="bg1"/>
                 </a:solidFill>
@@ -3471,7 +3471,7 @@
           </a:p>
           <a:p>
             <a:r>
-              <a:rPr lang="en-GB" sz="5400" dirty="0">
+              <a:rPr lang="en-GB" sz="3600" dirty="0">
                 <a:solidFill>
                   <a:schemeClr val="bg1"/>
                 </a:solidFill>
@@ -3481,7 +3481,7 @@
           </a:p>
           <a:p>
             <a:r>
-              <a:rPr lang="en-GB" sz="5400" dirty="0">
+              <a:rPr lang="en-GB" sz="3600" dirty="0">
                 <a:solidFill>
                   <a:schemeClr val="bg1"/>
                 </a:solidFill>
@@ -3566,7 +3566,7 @@
         </p:nvSpPr>
         <p:spPr>
           <a:xfrm>
-            <a:off x="323528" y="188640"/>
+            <a:off x="395536" y="692696"/>
             <a:ext cx="8640960" cy="6480720"/>
           </a:xfrm>
         </p:spPr>
@@ -3577,7 +3577,7 @@
           <a:lstStyle/>
           <a:p>
             <a:r>
-              <a:rPr lang="en-GB" sz="5400" dirty="0">
+              <a:rPr lang="en-GB" sz="3600" dirty="0">
                 <a:solidFill>
                   <a:schemeClr val="bg1"/>
                 </a:solidFill>
@@ -3587,7 +3587,7 @@
           </a:p>
           <a:p>
             <a:r>
-              <a:rPr lang="en-GB" sz="5400" dirty="0">
+              <a:rPr lang="en-GB" sz="3600" dirty="0">
                 <a:solidFill>
                   <a:schemeClr val="bg1"/>
                 </a:solidFill>
@@ -3597,7 +3597,7 @@
           </a:p>
           <a:p>
             <a:r>
-              <a:rPr lang="en-GB" sz="5400" dirty="0">
+              <a:rPr lang="en-GB" sz="3600" dirty="0">
                 <a:solidFill>
                   <a:schemeClr val="bg1"/>
                 </a:solidFill>
@@ -3607,7 +3607,7 @@
           </a:p>
           <a:p>
             <a:r>
-              <a:rPr lang="en-GB" sz="5400" dirty="0">
+              <a:rPr lang="en-GB" sz="3600" dirty="0">
                 <a:solidFill>
                   <a:schemeClr val="bg1"/>
                 </a:solidFill>
@@ -3692,7 +3692,7 @@
         </p:nvSpPr>
         <p:spPr>
           <a:xfrm>
-            <a:off x="323528" y="188640"/>
+            <a:off x="251520" y="692696"/>
             <a:ext cx="8640960" cy="6480720"/>
           </a:xfrm>
         </p:spPr>
@@ -3703,7 +3703,7 @@
           <a:lstStyle/>
           <a:p>
             <a:r>
-              <a:rPr lang="en-GB" sz="4400" dirty="0">
+              <a:rPr lang="en-GB" sz="3600" dirty="0">
                 <a:solidFill>
                   <a:schemeClr val="bg1"/>
                 </a:solidFill>
@@ -3713,7 +3713,7 @@
           </a:p>
           <a:p>
             <a:r>
-              <a:rPr lang="en-GB" sz="4400" dirty="0">
+              <a:rPr lang="en-GB" sz="3600" dirty="0">
                 <a:solidFill>
                   <a:schemeClr val="bg1"/>
                 </a:solidFill>
@@ -3723,7 +3723,7 @@
           </a:p>
           <a:p>
             <a:r>
-              <a:rPr lang="en-GB" sz="4400" dirty="0">
+              <a:rPr lang="en-GB" sz="3600" dirty="0">
                 <a:solidFill>
                   <a:schemeClr val="bg1"/>
                 </a:solidFill>
@@ -3733,7 +3733,7 @@
           </a:p>
           <a:p>
             <a:r>
-              <a:rPr lang="en-GB" sz="4400" dirty="0">
+              <a:rPr lang="en-GB" sz="3600" dirty="0">
                 <a:solidFill>
                   <a:schemeClr val="bg1"/>
                 </a:solidFill>
@@ -3743,7 +3743,7 @@
           </a:p>
           <a:p>
             <a:r>
-              <a:rPr lang="en-GB" sz="4400" dirty="0">
+              <a:rPr lang="en-GB" sz="3600" dirty="0">
                 <a:solidFill>
                   <a:schemeClr val="bg1"/>
                 </a:solidFill>
@@ -3753,7 +3753,7 @@
           </a:p>
           <a:p>
             <a:r>
-              <a:rPr lang="en-GB" sz="4400" dirty="0">
+              <a:rPr lang="en-GB" sz="3600" dirty="0">
                 <a:solidFill>
                   <a:schemeClr val="bg1"/>
                 </a:solidFill>
@@ -3838,7 +3838,7 @@
         </p:nvSpPr>
         <p:spPr>
           <a:xfrm>
-            <a:off x="107504" y="188640"/>
+            <a:off x="143508" y="692696"/>
             <a:ext cx="8856984" cy="6480720"/>
           </a:xfrm>
         </p:spPr>
@@ -3849,7 +3849,7 @@
           <a:lstStyle/>
           <a:p>
             <a:r>
-              <a:rPr lang="en-GB" sz="5000" dirty="0">
+              <a:rPr lang="en-GB" sz="3600" dirty="0">
                 <a:solidFill>
                   <a:schemeClr val="bg1"/>
                 </a:solidFill>
@@ -3859,7 +3859,7 @@
           </a:p>
           <a:p>
             <a:r>
-              <a:rPr lang="en-GB" sz="5000" dirty="0">
+              <a:rPr lang="en-GB" sz="3600" dirty="0">
                 <a:solidFill>
                   <a:schemeClr val="bg1"/>
                 </a:solidFill>
@@ -3869,7 +3869,7 @@
           </a:p>
           <a:p>
             <a:r>
-              <a:rPr lang="en-GB" sz="5000" dirty="0">
+              <a:rPr lang="en-GB" sz="3600" dirty="0">
                 <a:solidFill>
                   <a:schemeClr val="bg1"/>
                 </a:solidFill>
@@ -3879,7 +3879,7 @@
           </a:p>
           <a:p>
             <a:r>
-              <a:rPr lang="en-GB" sz="5000" dirty="0">
+              <a:rPr lang="en-GB" sz="3600" dirty="0">
                 <a:solidFill>
                   <a:schemeClr val="bg1"/>
                 </a:solidFill>
@@ -3887,14 +3887,14 @@
               <a:t>You did not despise the </a:t>
             </a:r>
             <a:r>
-              <a:rPr lang="en-GB" sz="5000" dirty="0" err="1">
+              <a:rPr lang="en-GB" sz="3600" dirty="0" err="1">
                 <a:solidFill>
                   <a:schemeClr val="bg1"/>
                 </a:solidFill>
               </a:rPr>
               <a:t>cros</a:t>
             </a:r>
-            <a:endParaRPr lang="en-GB" sz="5000" dirty="0">
+            <a:endParaRPr lang="en-GB" sz="3600" dirty="0">
               <a:solidFill>
                 <a:schemeClr val="bg1"/>
               </a:solidFill>
@@ -3977,7 +3977,7 @@
         </p:nvSpPr>
         <p:spPr>
           <a:xfrm>
-            <a:off x="107504" y="188640"/>
+            <a:off x="143508" y="764704"/>
             <a:ext cx="8856984" cy="6480720"/>
           </a:xfrm>
         </p:spPr>
@@ -3988,7 +3988,7 @@
           <a:lstStyle/>
           <a:p>
             <a:r>
-              <a:rPr lang="en-GB" sz="5000" dirty="0">
+              <a:rPr lang="en-GB" sz="3600" dirty="0">
                 <a:solidFill>
                   <a:schemeClr val="bg1"/>
                 </a:solidFill>
@@ -3998,7 +3998,7 @@
           </a:p>
           <a:p>
             <a:r>
-              <a:rPr lang="en-GB" sz="5000" dirty="0">
+              <a:rPr lang="en-GB" sz="3600" dirty="0">
                 <a:solidFill>
                   <a:schemeClr val="bg1"/>
                 </a:solidFill>
@@ -4008,7 +4008,7 @@
           </a:p>
           <a:p>
             <a:r>
-              <a:rPr lang="en-GB" sz="5000" dirty="0">
+              <a:rPr lang="en-GB" sz="3600" dirty="0">
                 <a:solidFill>
                   <a:schemeClr val="bg1"/>
                 </a:solidFill>
@@ -4018,7 +4018,7 @@
           </a:p>
           <a:p>
             <a:r>
-              <a:rPr lang="en-GB" sz="5000" dirty="0">
+              <a:rPr lang="en-GB" sz="3600" dirty="0">
                 <a:solidFill>
                   <a:schemeClr val="bg1"/>
                 </a:solidFill>
@@ -4103,7 +4103,7 @@
         </p:nvSpPr>
         <p:spPr>
           <a:xfrm>
-            <a:off x="323528" y="188640"/>
+            <a:off x="323528" y="692696"/>
             <a:ext cx="8640960" cy="6480720"/>
           </a:xfrm>
         </p:spPr>
@@ -4114,7 +4114,7 @@
           <a:lstStyle/>
           <a:p>
             <a:r>
-              <a:rPr lang="en-GB" sz="4400" dirty="0">
+              <a:rPr lang="en-GB" sz="3600" dirty="0">
                 <a:solidFill>
                   <a:schemeClr val="bg1"/>
                 </a:solidFill>
@@ -4124,7 +4124,7 @@
           </a:p>
           <a:p>
             <a:r>
-              <a:rPr lang="en-GB" sz="4400" dirty="0">
+              <a:rPr lang="en-GB" sz="3600" dirty="0">
                 <a:solidFill>
                   <a:schemeClr val="bg1"/>
                 </a:solidFill>
@@ -4134,7 +4134,7 @@
           </a:p>
           <a:p>
             <a:r>
-              <a:rPr lang="en-GB" sz="4400" dirty="0">
+              <a:rPr lang="en-GB" sz="3600" dirty="0">
                 <a:solidFill>
                   <a:schemeClr val="bg1"/>
                 </a:solidFill>
@@ -4144,7 +4144,7 @@
           </a:p>
           <a:p>
             <a:r>
-              <a:rPr lang="en-GB" sz="4400" dirty="0">
+              <a:rPr lang="en-GB" sz="3600" dirty="0">
                 <a:solidFill>
                   <a:schemeClr val="bg1"/>
                 </a:solidFill>
@@ -4229,7 +4229,7 @@
         </p:nvSpPr>
         <p:spPr>
           <a:xfrm>
-            <a:off x="323528" y="188640"/>
+            <a:off x="251520" y="692696"/>
             <a:ext cx="8640960" cy="6480720"/>
           </a:xfrm>
         </p:spPr>
@@ -4240,7 +4240,7 @@
           <a:lstStyle/>
           <a:p>
             <a:r>
-              <a:rPr lang="en-GB" sz="4400" dirty="0">
+              <a:rPr lang="en-GB" sz="3600" dirty="0">
                 <a:solidFill>
                   <a:schemeClr val="bg1"/>
                 </a:solidFill>
@@ -4250,7 +4250,7 @@
           </a:p>
           <a:p>
             <a:r>
-              <a:rPr lang="en-GB" sz="4400" dirty="0">
+              <a:rPr lang="en-GB" sz="3600" dirty="0">
                 <a:solidFill>
                   <a:schemeClr val="bg1"/>
                 </a:solidFill>
@@ -4260,7 +4260,7 @@
           </a:p>
           <a:p>
             <a:r>
-              <a:rPr lang="en-GB" sz="4400" dirty="0">
+              <a:rPr lang="en-GB" sz="3600" dirty="0">
                 <a:solidFill>
                   <a:schemeClr val="bg1"/>
                 </a:solidFill>
@@ -4270,7 +4270,7 @@
           </a:p>
           <a:p>
             <a:r>
-              <a:rPr lang="en-GB" sz="4400" dirty="0">
+              <a:rPr lang="en-GB" sz="3600" dirty="0">
                 <a:solidFill>
                   <a:schemeClr val="bg1"/>
                 </a:solidFill>
@@ -4355,7 +4355,7 @@
         </p:nvSpPr>
         <p:spPr>
           <a:xfrm>
-            <a:off x="323528" y="188640"/>
+            <a:off x="467544" y="764704"/>
             <a:ext cx="8640960" cy="6480720"/>
           </a:xfrm>
         </p:spPr>
@@ -4366,7 +4366,7 @@
           <a:lstStyle/>
           <a:p>
             <a:r>
-              <a:rPr lang="en-GB" sz="4400" dirty="0">
+              <a:rPr lang="en-GB" sz="3600" dirty="0">
                 <a:solidFill>
                   <a:schemeClr val="bg1"/>
                 </a:solidFill>
@@ -4376,7 +4376,7 @@
           </a:p>
           <a:p>
             <a:r>
-              <a:rPr lang="en-GB" sz="4400" dirty="0">
+              <a:rPr lang="en-GB" sz="3600" dirty="0">
                 <a:solidFill>
                   <a:schemeClr val="bg1"/>
                 </a:solidFill>
@@ -4386,7 +4386,7 @@
           </a:p>
           <a:p>
             <a:r>
-              <a:rPr lang="en-GB" sz="4400" dirty="0">
+              <a:rPr lang="en-GB" sz="3600" dirty="0">
                 <a:solidFill>
                   <a:schemeClr val="bg1"/>
                 </a:solidFill>
@@ -4396,7 +4396,7 @@
           </a:p>
           <a:p>
             <a:r>
-              <a:rPr lang="en-GB" sz="4400" dirty="0">
+              <a:rPr lang="en-GB" sz="3600" dirty="0">
                 <a:solidFill>
                   <a:schemeClr val="bg1"/>
                 </a:solidFill>

--- a/docs/songs/king of kings.pptx
+++ b/docs/songs/king of kings.pptx
@@ -11,10 +11,12 @@
     <p:sldId id="673" r:id="rId5"/>
     <p:sldId id="674" r:id="rId6"/>
     <p:sldId id="512" r:id="rId7"/>
-    <p:sldId id="513" r:id="rId8"/>
-    <p:sldId id="514" r:id="rId9"/>
-    <p:sldId id="685" r:id="rId10"/>
-    <p:sldId id="686" r:id="rId11"/>
+    <p:sldId id="1268" r:id="rId8"/>
+    <p:sldId id="513" r:id="rId9"/>
+    <p:sldId id="514" r:id="rId10"/>
+    <p:sldId id="685" r:id="rId11"/>
+    <p:sldId id="686" r:id="rId12"/>
+    <p:sldId id="1269" r:id="rId13"/>
   </p:sldIdLst>
   <p:sldSz cx="9144000" cy="6858000" type="screen4x3"/>
   <p:notesSz cx="6858000" cy="9144000"/>
@@ -314,7 +316,7 @@
             <a:fld id="{26EA1CF3-4A15-4CBF-9A5A-6A56C368BE71}" type="datetimeFigureOut">
               <a:rPr lang="en-GB" smtClean="0"/>
               <a:pPr/>
-              <a:t>28/10/2024</a:t>
+              <a:t>19/02/2025</a:t>
             </a:fld>
             <a:endParaRPr lang="en-GB"/>
           </a:p>
@@ -481,7 +483,7 @@
             <a:fld id="{26EA1CF3-4A15-4CBF-9A5A-6A56C368BE71}" type="datetimeFigureOut">
               <a:rPr lang="en-GB" smtClean="0"/>
               <a:pPr/>
-              <a:t>28/10/2024</a:t>
+              <a:t>19/02/2025</a:t>
             </a:fld>
             <a:endParaRPr lang="en-GB"/>
           </a:p>
@@ -658,7 +660,7 @@
             <a:fld id="{26EA1CF3-4A15-4CBF-9A5A-6A56C368BE71}" type="datetimeFigureOut">
               <a:rPr lang="en-GB" smtClean="0"/>
               <a:pPr/>
-              <a:t>28/10/2024</a:t>
+              <a:t>19/02/2025</a:t>
             </a:fld>
             <a:endParaRPr lang="en-GB"/>
           </a:p>
@@ -825,7 +827,7 @@
             <a:fld id="{26EA1CF3-4A15-4CBF-9A5A-6A56C368BE71}" type="datetimeFigureOut">
               <a:rPr lang="en-GB" smtClean="0"/>
               <a:pPr/>
-              <a:t>28/10/2024</a:t>
+              <a:t>19/02/2025</a:t>
             </a:fld>
             <a:endParaRPr lang="en-GB"/>
           </a:p>
@@ -1068,7 +1070,7 @@
             <a:fld id="{26EA1CF3-4A15-4CBF-9A5A-6A56C368BE71}" type="datetimeFigureOut">
               <a:rPr lang="en-GB" smtClean="0"/>
               <a:pPr/>
-              <a:t>28/10/2024</a:t>
+              <a:t>19/02/2025</a:t>
             </a:fld>
             <a:endParaRPr lang="en-GB"/>
           </a:p>
@@ -1353,7 +1355,7 @@
             <a:fld id="{26EA1CF3-4A15-4CBF-9A5A-6A56C368BE71}" type="datetimeFigureOut">
               <a:rPr lang="en-GB" smtClean="0"/>
               <a:pPr/>
-              <a:t>28/10/2024</a:t>
+              <a:t>19/02/2025</a:t>
             </a:fld>
             <a:endParaRPr lang="en-GB"/>
           </a:p>
@@ -1772,7 +1774,7 @@
             <a:fld id="{26EA1CF3-4A15-4CBF-9A5A-6A56C368BE71}" type="datetimeFigureOut">
               <a:rPr lang="en-GB" smtClean="0"/>
               <a:pPr/>
-              <a:t>28/10/2024</a:t>
+              <a:t>19/02/2025</a:t>
             </a:fld>
             <a:endParaRPr lang="en-GB"/>
           </a:p>
@@ -1887,7 +1889,7 @@
             <a:fld id="{26EA1CF3-4A15-4CBF-9A5A-6A56C368BE71}" type="datetimeFigureOut">
               <a:rPr lang="en-GB" smtClean="0"/>
               <a:pPr/>
-              <a:t>28/10/2024</a:t>
+              <a:t>19/02/2025</a:t>
             </a:fld>
             <a:endParaRPr lang="en-GB"/>
           </a:p>
@@ -1979,7 +1981,7 @@
             <a:fld id="{26EA1CF3-4A15-4CBF-9A5A-6A56C368BE71}" type="datetimeFigureOut">
               <a:rPr lang="en-GB" smtClean="0"/>
               <a:pPr/>
-              <a:t>28/10/2024</a:t>
+              <a:t>19/02/2025</a:t>
             </a:fld>
             <a:endParaRPr lang="en-GB"/>
           </a:p>
@@ -2253,7 +2255,7 @@
             <a:fld id="{26EA1CF3-4A15-4CBF-9A5A-6A56C368BE71}" type="datetimeFigureOut">
               <a:rPr lang="en-GB" smtClean="0"/>
               <a:pPr/>
-              <a:t>28/10/2024</a:t>
+              <a:t>19/02/2025</a:t>
             </a:fld>
             <a:endParaRPr lang="en-GB"/>
           </a:p>
@@ -2503,7 +2505,7 @@
             <a:fld id="{26EA1CF3-4A15-4CBF-9A5A-6A56C368BE71}" type="datetimeFigureOut">
               <a:rPr lang="en-GB" smtClean="0"/>
               <a:pPr/>
-              <a:t>28/10/2024</a:t>
+              <a:t>19/02/2025</a:t>
             </a:fld>
             <a:endParaRPr lang="en-GB"/>
           </a:p>
@@ -2716,7 +2718,7 @@
             <a:fld id="{26EA1CF3-4A15-4CBF-9A5A-6A56C368BE71}" type="datetimeFigureOut">
               <a:rPr lang="en-GB" smtClean="0"/>
               <a:pPr/>
-              <a:t>28/10/2024</a:t>
+              <a:t>19/02/2025</a:t>
             </a:fld>
             <a:endParaRPr lang="en-GB"/>
           </a:p>
@@ -3314,7 +3316,7 @@
         </p:nvSpPr>
         <p:spPr>
           <a:xfrm>
-            <a:off x="203118" y="692696"/>
+            <a:off x="467544" y="764704"/>
             <a:ext cx="8640960" cy="6480720"/>
           </a:xfrm>
         </p:spPr>
@@ -3330,7 +3332,7 @@
                   <a:schemeClr val="bg1"/>
                 </a:solidFill>
               </a:rPr>
-              <a:t>By His blood and in His Name</a:t>
+              <a:t>And the Church of Christ was born</a:t>
             </a:r>
           </a:p>
           <a:p>
@@ -3340,7 +3342,7 @@
                   <a:schemeClr val="bg1"/>
                 </a:solidFill>
               </a:rPr>
-              <a:t>In His freedom I am free</a:t>
+              <a:t>Then the Spirit lit the flame</a:t>
             </a:r>
           </a:p>
           <a:p>
@@ -3350,7 +3352,7 @@
                   <a:schemeClr val="bg1"/>
                 </a:solidFill>
               </a:rPr>
-              <a:t>For the love of Jesus Christ</a:t>
+              <a:t>Now this Gospel truth of old</a:t>
             </a:r>
           </a:p>
           <a:p>
@@ -3360,7 +3362,7 @@
                   <a:schemeClr val="bg1"/>
                 </a:solidFill>
               </a:rPr>
-              <a:t>Who has resurrected me</a:t>
+              <a:t>Shall not kneel shall not faint</a:t>
             </a:r>
           </a:p>
         </p:txBody>
@@ -3373,8 +3375,8 @@
         </p:nvSpPr>
         <p:spPr>
           <a:xfrm>
-            <a:off x="8529729" y="0"/>
-            <a:ext cx="628698" cy="461665"/>
+            <a:off x="8460432" y="-7422"/>
+            <a:ext cx="784189" cy="461665"/>
           </a:xfrm>
           <a:prstGeom prst="rect">
             <a:avLst/>
@@ -3393,7 +3395,133 @@
                   <a:schemeClr val="bg1"/>
                 </a:solidFill>
               </a:rPr>
-              <a:t>9/9</a:t>
+              <a:t>9/11</a:t>
+            </a:r>
+          </a:p>
+        </p:txBody>
+      </p:sp>
+    </p:spTree>
+    <p:extLst>
+      <p:ext uri="{BB962C8B-B14F-4D97-AF65-F5344CB8AC3E}">
+        <p14:creationId xmlns:p14="http://schemas.microsoft.com/office/powerpoint/2010/main" val="3632770272"/>
+      </p:ext>
+    </p:extLst>
+  </p:cSld>
+  <p:clrMapOvr>
+    <a:masterClrMapping/>
+  </p:clrMapOvr>
+</p:sld>
+</file>
+
+<file path=ppt/slides/slide11.xml><?xml version="1.0" encoding="utf-8"?>
+<p:sld xmlns:a="http://schemas.openxmlformats.org/drawingml/2006/main" xmlns:r="http://schemas.openxmlformats.org/officeDocument/2006/relationships" xmlns:p="http://schemas.openxmlformats.org/presentationml/2006/main">
+  <p:cSld>
+    <p:spTree>
+      <p:nvGrpSpPr>
+        <p:cNvPr id="1" name=""/>
+        <p:cNvGrpSpPr/>
+        <p:nvPr/>
+      </p:nvGrpSpPr>
+      <p:grpSpPr>
+        <a:xfrm>
+          <a:off x="0" y="0"/>
+          <a:ext cx="0" cy="0"/>
+          <a:chOff x="0" y="0"/>
+          <a:chExt cx="0" cy="0"/>
+        </a:xfrm>
+      </p:grpSpPr>
+      <p:sp>
+        <p:nvSpPr>
+          <p:cNvPr id="3" name="Subtitle 2"/>
+          <p:cNvSpPr>
+            <a:spLocks noGrp="1"/>
+          </p:cNvSpPr>
+          <p:nvPr>
+            <p:ph type="subTitle" idx="1"/>
+          </p:nvPr>
+        </p:nvSpPr>
+        <p:spPr>
+          <a:xfrm>
+            <a:off x="203118" y="692696"/>
+            <a:ext cx="8640960" cy="6480720"/>
+          </a:xfrm>
+        </p:spPr>
+        <p:txBody>
+          <a:bodyPr>
+            <a:noAutofit/>
+          </a:bodyPr>
+          <a:lstStyle/>
+          <a:p>
+            <a:r>
+              <a:rPr lang="en-GB" sz="3600" dirty="0">
+                <a:solidFill>
+                  <a:schemeClr val="bg1"/>
+                </a:solidFill>
+              </a:rPr>
+              <a:t>By His blood and in His Name</a:t>
+            </a:r>
+          </a:p>
+          <a:p>
+            <a:r>
+              <a:rPr lang="en-GB" sz="3600" dirty="0">
+                <a:solidFill>
+                  <a:schemeClr val="bg1"/>
+                </a:solidFill>
+              </a:rPr>
+              <a:t>In His freedom I am free</a:t>
+            </a:r>
+          </a:p>
+          <a:p>
+            <a:r>
+              <a:rPr lang="en-GB" sz="3600" dirty="0">
+                <a:solidFill>
+                  <a:schemeClr val="bg1"/>
+                </a:solidFill>
+              </a:rPr>
+              <a:t>For the love of Jesus Christ</a:t>
+            </a:r>
+          </a:p>
+          <a:p>
+            <a:r>
+              <a:rPr lang="en-GB" sz="3600" dirty="0">
+                <a:solidFill>
+                  <a:schemeClr val="bg1"/>
+                </a:solidFill>
+              </a:rPr>
+              <a:t>Who has resurrected me</a:t>
+            </a:r>
+          </a:p>
+        </p:txBody>
+      </p:sp>
+      <p:sp>
+        <p:nvSpPr>
+          <p:cNvPr id="4" name="TextBox 3"/>
+          <p:cNvSpPr txBox="1"/>
+          <p:nvPr/>
+        </p:nvSpPr>
+        <p:spPr>
+          <a:xfrm>
+            <a:off x="8205611" y="0"/>
+            <a:ext cx="939681" cy="461665"/>
+          </a:xfrm>
+          <a:prstGeom prst="rect">
+            <a:avLst/>
+          </a:prstGeom>
+          <a:noFill/>
+        </p:spPr>
+        <p:txBody>
+          <a:bodyPr wrap="none" rtlCol="0">
+            <a:spAutoFit/>
+          </a:bodyPr>
+          <a:lstStyle/>
+          <a:p>
+            <a:r>
+              <a:rPr lang="en-GB" sz="2400" b="1" dirty="0">
+                <a:solidFill>
+                  <a:schemeClr val="bg1"/>
+                </a:solidFill>
+              </a:rPr>
+              <a:t>10/11</a:t>
             </a:r>
           </a:p>
         </p:txBody>
@@ -3402,6 +3530,170 @@
     <p:extLst>
       <p:ext uri="{BB962C8B-B14F-4D97-AF65-F5344CB8AC3E}">
         <p14:creationId xmlns:p14="http://schemas.microsoft.com/office/powerpoint/2010/main" val="725366194"/>
+      </p:ext>
+    </p:extLst>
+  </p:cSld>
+  <p:clrMapOvr>
+    <a:masterClrMapping/>
+  </p:clrMapOvr>
+</p:sld>
+</file>
+
+<file path=ppt/slides/slide12.xml><?xml version="1.0" encoding="utf-8"?>
+<p:sld xmlns:a="http://schemas.openxmlformats.org/drawingml/2006/main" xmlns:r="http://schemas.openxmlformats.org/officeDocument/2006/relationships" xmlns:p="http://schemas.openxmlformats.org/presentationml/2006/main">
+  <p:cSld>
+    <p:spTree>
+      <p:nvGrpSpPr>
+        <p:cNvPr id="1" name="">
+          <a:extLst>
+            <a:ext uri="{FF2B5EF4-FFF2-40B4-BE49-F238E27FC236}">
+              <a16:creationId xmlns:a16="http://schemas.microsoft.com/office/drawing/2014/main" id="{6A0E749C-B8AF-A5E1-3AF3-472E8D6B6479}"/>
+            </a:ext>
+          </a:extLst>
+        </p:cNvPr>
+        <p:cNvGrpSpPr/>
+        <p:nvPr/>
+      </p:nvGrpSpPr>
+      <p:grpSpPr>
+        <a:xfrm>
+          <a:off x="0" y="0"/>
+          <a:ext cx="0" cy="0"/>
+          <a:chOff x="0" y="0"/>
+          <a:chExt cx="0" cy="0"/>
+        </a:xfrm>
+      </p:grpSpPr>
+      <p:sp>
+        <p:nvSpPr>
+          <p:cNvPr id="3" name="Subtitle 2">
+            <a:extLst>
+              <a:ext uri="{FF2B5EF4-FFF2-40B4-BE49-F238E27FC236}">
+                <a16:creationId xmlns:a16="http://schemas.microsoft.com/office/drawing/2014/main" id="{309C4603-558D-CD72-3C2E-1957D73ECA94}"/>
+              </a:ext>
+            </a:extLst>
+          </p:cNvPr>
+          <p:cNvSpPr>
+            <a:spLocks noGrp="1"/>
+          </p:cNvSpPr>
+          <p:nvPr>
+            <p:ph type="subTitle" idx="1"/>
+          </p:nvPr>
+        </p:nvSpPr>
+        <p:spPr>
+          <a:xfrm>
+            <a:off x="251520" y="692696"/>
+            <a:ext cx="8640960" cy="6480720"/>
+          </a:xfrm>
+        </p:spPr>
+        <p:txBody>
+          <a:bodyPr>
+            <a:noAutofit/>
+          </a:bodyPr>
+          <a:lstStyle/>
+          <a:p>
+            <a:r>
+              <a:rPr lang="en-GB" sz="3600" dirty="0">
+                <a:solidFill>
+                  <a:schemeClr val="bg1"/>
+                </a:solidFill>
+              </a:rPr>
+              <a:t>Praise the Father</a:t>
+            </a:r>
+          </a:p>
+          <a:p>
+            <a:r>
+              <a:rPr lang="en-GB" sz="3600" dirty="0">
+                <a:solidFill>
+                  <a:schemeClr val="bg1"/>
+                </a:solidFill>
+              </a:rPr>
+              <a:t>Praise the Son</a:t>
+            </a:r>
+          </a:p>
+          <a:p>
+            <a:r>
+              <a:rPr lang="en-GB" sz="3600" dirty="0">
+                <a:solidFill>
+                  <a:schemeClr val="bg1"/>
+                </a:solidFill>
+              </a:rPr>
+              <a:t>Praise the Spirit three in one</a:t>
+            </a:r>
+          </a:p>
+          <a:p>
+            <a:r>
+              <a:rPr lang="en-GB" sz="3600" dirty="0">
+                <a:solidFill>
+                  <a:schemeClr val="bg1"/>
+                </a:solidFill>
+              </a:rPr>
+              <a:t>God of Glory</a:t>
+            </a:r>
+          </a:p>
+          <a:p>
+            <a:r>
+              <a:rPr lang="en-GB" sz="3600" dirty="0">
+                <a:solidFill>
+                  <a:schemeClr val="bg1"/>
+                </a:solidFill>
+              </a:rPr>
+              <a:t>Majesty</a:t>
+            </a:r>
+          </a:p>
+          <a:p>
+            <a:r>
+              <a:rPr lang="en-GB" sz="3600" dirty="0">
+                <a:solidFill>
+                  <a:schemeClr val="bg1"/>
+                </a:solidFill>
+              </a:rPr>
+              <a:t>Praise forever to the King of kings</a:t>
+            </a:r>
+          </a:p>
+        </p:txBody>
+      </p:sp>
+      <p:sp>
+        <p:nvSpPr>
+          <p:cNvPr id="4" name="TextBox 3">
+            <a:extLst>
+              <a:ext uri="{FF2B5EF4-FFF2-40B4-BE49-F238E27FC236}">
+                <a16:creationId xmlns:a16="http://schemas.microsoft.com/office/drawing/2014/main" id="{DD7D45AB-5390-39A1-1578-0FDC36D69C6E}"/>
+              </a:ext>
+            </a:extLst>
+          </p:cNvPr>
+          <p:cNvSpPr txBox="1"/>
+          <p:nvPr/>
+        </p:nvSpPr>
+        <p:spPr>
+          <a:xfrm>
+            <a:off x="8225036" y="0"/>
+            <a:ext cx="939681" cy="461665"/>
+          </a:xfrm>
+          <a:prstGeom prst="rect">
+            <a:avLst/>
+          </a:prstGeom>
+          <a:noFill/>
+        </p:spPr>
+        <p:txBody>
+          <a:bodyPr wrap="none" rtlCol="0">
+            <a:spAutoFit/>
+          </a:bodyPr>
+          <a:lstStyle/>
+          <a:p>
+            <a:r>
+              <a:rPr lang="en-GB" sz="2400" b="1" dirty="0">
+                <a:solidFill>
+                  <a:schemeClr val="bg1"/>
+                </a:solidFill>
+              </a:rPr>
+              <a:t>11/11</a:t>
+            </a:r>
+          </a:p>
+        </p:txBody>
+      </p:sp>
+    </p:spTree>
+    <p:extLst>
+      <p:ext uri="{BB962C8B-B14F-4D97-AF65-F5344CB8AC3E}">
+        <p14:creationId xmlns:p14="http://schemas.microsoft.com/office/powerpoint/2010/main" val="353561798"/>
       </p:ext>
     </p:extLst>
   </p:cSld>
@@ -3499,8 +3791,8 @@
         </p:nvSpPr>
         <p:spPr>
           <a:xfrm>
-            <a:off x="8529729" y="0"/>
-            <a:ext cx="628698" cy="461665"/>
+            <a:off x="8394581" y="0"/>
+            <a:ext cx="784189" cy="461665"/>
           </a:xfrm>
           <a:prstGeom prst="rect">
             <a:avLst/>
@@ -3519,7 +3811,7 @@
                   <a:schemeClr val="bg1"/>
                 </a:solidFill>
               </a:rPr>
-              <a:t>1/9</a:t>
+              <a:t>1/11</a:t>
             </a:r>
           </a:p>
         </p:txBody>
@@ -3625,8 +3917,8 @@
         </p:nvSpPr>
         <p:spPr>
           <a:xfrm>
-            <a:off x="8529729" y="0"/>
-            <a:ext cx="628698" cy="461665"/>
+            <a:off x="8392075" y="0"/>
+            <a:ext cx="784189" cy="461665"/>
           </a:xfrm>
           <a:prstGeom prst="rect">
             <a:avLst/>
@@ -3645,7 +3937,7 @@
                   <a:schemeClr val="bg1"/>
                 </a:solidFill>
               </a:rPr>
-              <a:t>2/9</a:t>
+              <a:t>2/11</a:t>
             </a:r>
           </a:p>
         </p:txBody>
@@ -3771,8 +4063,8 @@
         </p:nvSpPr>
         <p:spPr>
           <a:xfrm>
-            <a:off x="8529729" y="0"/>
-            <a:ext cx="628698" cy="461665"/>
+            <a:off x="8492117" y="0"/>
+            <a:ext cx="784189" cy="461665"/>
           </a:xfrm>
           <a:prstGeom prst="rect">
             <a:avLst/>
@@ -3791,7 +4083,7 @@
                   <a:schemeClr val="bg1"/>
                 </a:solidFill>
               </a:rPr>
-              <a:t>3/9</a:t>
+              <a:t>3/11</a:t>
             </a:r>
           </a:p>
         </p:txBody>
@@ -3884,21 +4176,8 @@
                   <a:schemeClr val="bg1"/>
                 </a:solidFill>
               </a:rPr>
-              <a:t>You did not despise the </a:t>
-            </a:r>
-            <a:r>
-              <a:rPr lang="en-GB" sz="3600" dirty="0" err="1">
-                <a:solidFill>
-                  <a:schemeClr val="bg1"/>
-                </a:solidFill>
-              </a:rPr>
-              <a:t>cros</a:t>
-            </a:r>
-            <a:endParaRPr lang="en-GB" sz="3600" dirty="0">
-              <a:solidFill>
-                <a:schemeClr val="bg1"/>
-              </a:solidFill>
-            </a:endParaRPr>
+              <a:t>You did not despise the cross</a:t>
+            </a:r>
           </a:p>
         </p:txBody>
       </p:sp>
@@ -3910,8 +4189,8 @@
         </p:nvSpPr>
         <p:spPr>
           <a:xfrm>
-            <a:off x="8529729" y="0"/>
-            <a:ext cx="628698" cy="461665"/>
+            <a:off x="8359811" y="0"/>
+            <a:ext cx="784189" cy="461665"/>
           </a:xfrm>
           <a:prstGeom prst="rect">
             <a:avLst/>
@@ -3930,7 +4209,7 @@
                   <a:schemeClr val="bg1"/>
                 </a:solidFill>
               </a:rPr>
-              <a:t>4/9</a:t>
+              <a:t>4/11</a:t>
             </a:r>
           </a:p>
         </p:txBody>
@@ -4036,8 +4315,8 @@
         </p:nvSpPr>
         <p:spPr>
           <a:xfrm>
-            <a:off x="8529729" y="0"/>
-            <a:ext cx="628698" cy="461665"/>
+            <a:off x="8395806" y="0"/>
+            <a:ext cx="784189" cy="461665"/>
           </a:xfrm>
           <a:prstGeom prst="rect">
             <a:avLst/>
@@ -4056,7 +4335,7 @@
                   <a:schemeClr val="bg1"/>
                 </a:solidFill>
               </a:rPr>
-              <a:t>5/9</a:t>
+              <a:t>5/11</a:t>
             </a:r>
           </a:p>
         </p:txBody>
@@ -4079,7 +4358,13 @@
   <p:cSld>
     <p:spTree>
       <p:nvGrpSpPr>
-        <p:cNvPr id="1" name=""/>
+        <p:cNvPr id="1" name="">
+          <a:extLst>
+            <a:ext uri="{FF2B5EF4-FFF2-40B4-BE49-F238E27FC236}">
+              <a16:creationId xmlns:a16="http://schemas.microsoft.com/office/drawing/2014/main" id="{C385BDCB-9419-C9DD-BFB4-D7FEE1B69806}"/>
+            </a:ext>
+          </a:extLst>
+        </p:cNvPr>
         <p:cNvGrpSpPr/>
         <p:nvPr/>
       </p:nvGrpSpPr>
@@ -4093,7 +4378,13 @@
       </p:grpSpPr>
       <p:sp>
         <p:nvSpPr>
-          <p:cNvPr id="3" name="Subtitle 2"/>
+          <p:cNvPr id="3" name="Subtitle 2">
+            <a:extLst>
+              <a:ext uri="{FF2B5EF4-FFF2-40B4-BE49-F238E27FC236}">
+                <a16:creationId xmlns:a16="http://schemas.microsoft.com/office/drawing/2014/main" id="{100CB17B-9192-536A-3434-AFDF0802F3C5}"/>
+              </a:ext>
+            </a:extLst>
+          </p:cNvPr>
           <p:cNvSpPr>
             <a:spLocks noGrp="1"/>
           </p:cNvSpPr>
@@ -4103,7 +4394,7 @@
         </p:nvSpPr>
         <p:spPr>
           <a:xfrm>
-            <a:off x="323528" y="692696"/>
+            <a:off x="251520" y="692696"/>
             <a:ext cx="8640960" cy="6480720"/>
           </a:xfrm>
         </p:spPr>
@@ -4119,7 +4410,7 @@
                   <a:schemeClr val="bg1"/>
                 </a:solidFill>
               </a:rPr>
-              <a:t>And the morning that You rose</a:t>
+              <a:t>Praise the Father</a:t>
             </a:r>
           </a:p>
           <a:p>
@@ -4129,7 +4420,7 @@
                   <a:schemeClr val="bg1"/>
                 </a:solidFill>
               </a:rPr>
-              <a:t>All of heaven held its breath</a:t>
+              <a:t>Praise the Son</a:t>
             </a:r>
           </a:p>
           <a:p>
@@ -4139,7 +4430,7 @@
                   <a:schemeClr val="bg1"/>
                 </a:solidFill>
               </a:rPr>
-              <a:t>Till that stone was moved for good</a:t>
+              <a:t>Praise the Spirit three in one</a:t>
             </a:r>
           </a:p>
           <a:p>
@@ -4149,21 +4440,47 @@
                   <a:schemeClr val="bg1"/>
                 </a:solidFill>
               </a:rPr>
-              <a:t>For the Lamb had conquered death</a:t>
-            </a:r>
-          </a:p>
-        </p:txBody>
-      </p:sp>
-      <p:sp>
-        <p:nvSpPr>
-          <p:cNvPr id="4" name="TextBox 3"/>
+              <a:t>God of Glory</a:t>
+            </a:r>
+          </a:p>
+          <a:p>
+            <a:r>
+              <a:rPr lang="en-GB" sz="3600" dirty="0">
+                <a:solidFill>
+                  <a:schemeClr val="bg1"/>
+                </a:solidFill>
+              </a:rPr>
+              <a:t>Majesty</a:t>
+            </a:r>
+          </a:p>
+          <a:p>
+            <a:r>
+              <a:rPr lang="en-GB" sz="3600" dirty="0">
+                <a:solidFill>
+                  <a:schemeClr val="bg1"/>
+                </a:solidFill>
+              </a:rPr>
+              <a:t>Praise forever to the King of kings</a:t>
+            </a:r>
+          </a:p>
+        </p:txBody>
+      </p:sp>
+      <p:sp>
+        <p:nvSpPr>
+          <p:cNvPr id="4" name="TextBox 3">
+            <a:extLst>
+              <a:ext uri="{FF2B5EF4-FFF2-40B4-BE49-F238E27FC236}">
+                <a16:creationId xmlns:a16="http://schemas.microsoft.com/office/drawing/2014/main" id="{A9327401-E9CB-7DC8-F7E5-91B5E3C069DD}"/>
+              </a:ext>
+            </a:extLst>
+          </p:cNvPr>
           <p:cNvSpPr txBox="1"/>
           <p:nvPr/>
         </p:nvSpPr>
         <p:spPr>
           <a:xfrm>
-            <a:off x="8529729" y="0"/>
-            <a:ext cx="628698" cy="461665"/>
+            <a:off x="8359811" y="0"/>
+            <a:ext cx="784189" cy="461665"/>
           </a:xfrm>
           <a:prstGeom prst="rect">
             <a:avLst/>
@@ -4182,7 +4499,7 @@
                   <a:schemeClr val="bg1"/>
                 </a:solidFill>
               </a:rPr>
-              <a:t>6/9</a:t>
+              <a:t>6/11</a:t>
             </a:r>
           </a:p>
         </p:txBody>
@@ -4190,7 +4507,7 @@
     </p:spTree>
     <p:extLst>
       <p:ext uri="{BB962C8B-B14F-4D97-AF65-F5344CB8AC3E}">
-        <p14:creationId xmlns:p14="http://schemas.microsoft.com/office/powerpoint/2010/main" val="2704135818"/>
+        <p14:creationId xmlns:p14="http://schemas.microsoft.com/office/powerpoint/2010/main" val="1955223073"/>
       </p:ext>
     </p:extLst>
   </p:cSld>
@@ -4229,7 +4546,7 @@
         </p:nvSpPr>
         <p:spPr>
           <a:xfrm>
-            <a:off x="251520" y="692696"/>
+            <a:off x="323528" y="692696"/>
             <a:ext cx="8640960" cy="6480720"/>
           </a:xfrm>
         </p:spPr>
@@ -4245,7 +4562,7 @@
                   <a:schemeClr val="bg1"/>
                 </a:solidFill>
               </a:rPr>
-              <a:t>And the dead rose from their tombs</a:t>
+              <a:t>And the morning that You rose</a:t>
             </a:r>
           </a:p>
           <a:p>
@@ -4255,7 +4572,7 @@
                   <a:schemeClr val="bg1"/>
                 </a:solidFill>
               </a:rPr>
-              <a:t>And the angels stood in awe</a:t>
+              <a:t>All of heaven held its breath</a:t>
             </a:r>
           </a:p>
           <a:p>
@@ -4265,7 +4582,7 @@
                   <a:schemeClr val="bg1"/>
                 </a:solidFill>
               </a:rPr>
-              <a:t>For the souls of all who'd come</a:t>
+              <a:t>Till that stone was moved for good</a:t>
             </a:r>
           </a:p>
           <a:p>
@@ -4275,7 +4592,7 @@
                   <a:schemeClr val="bg1"/>
                 </a:solidFill>
               </a:rPr>
-              <a:t>To the Father are restored</a:t>
+              <a:t>For the Lamb had conquered death</a:t>
             </a:r>
           </a:p>
         </p:txBody>
@@ -4288,8 +4605,8 @@
         </p:nvSpPr>
         <p:spPr>
           <a:xfrm>
-            <a:off x="8529729" y="0"/>
-            <a:ext cx="628698" cy="461665"/>
+            <a:off x="8359811" y="0"/>
+            <a:ext cx="784189" cy="461665"/>
           </a:xfrm>
           <a:prstGeom prst="rect">
             <a:avLst/>
@@ -4308,7 +4625,7 @@
                   <a:schemeClr val="bg1"/>
                 </a:solidFill>
               </a:rPr>
-              <a:t>7/9</a:t>
+              <a:t>7/11</a:t>
             </a:r>
           </a:p>
         </p:txBody>
@@ -4316,7 +4633,7 @@
     </p:spTree>
     <p:extLst>
       <p:ext uri="{BB962C8B-B14F-4D97-AF65-F5344CB8AC3E}">
-        <p14:creationId xmlns:p14="http://schemas.microsoft.com/office/powerpoint/2010/main" val="2112520271"/>
+        <p14:creationId xmlns:p14="http://schemas.microsoft.com/office/powerpoint/2010/main" val="2704135818"/>
       </p:ext>
     </p:extLst>
   </p:cSld>
@@ -4355,7 +4672,7 @@
         </p:nvSpPr>
         <p:spPr>
           <a:xfrm>
-            <a:off x="467544" y="764704"/>
+            <a:off x="251520" y="692696"/>
             <a:ext cx="8640960" cy="6480720"/>
           </a:xfrm>
         </p:spPr>
@@ -4371,7 +4688,7 @@
                   <a:schemeClr val="bg1"/>
                 </a:solidFill>
               </a:rPr>
-              <a:t>And the Church of Christ was born</a:t>
+              <a:t>And the dead rose from their tombs</a:t>
             </a:r>
           </a:p>
           <a:p>
@@ -4381,7 +4698,7 @@
                   <a:schemeClr val="bg1"/>
                 </a:solidFill>
               </a:rPr>
-              <a:t>Then the Spirit lit the flame</a:t>
+              <a:t>And the angels stood in awe</a:t>
             </a:r>
           </a:p>
           <a:p>
@@ -4391,7 +4708,7 @@
                   <a:schemeClr val="bg1"/>
                 </a:solidFill>
               </a:rPr>
-              <a:t>Now this Gospel truth of old</a:t>
+              <a:t>For the souls of all who'd come</a:t>
             </a:r>
           </a:p>
           <a:p>
@@ -4401,7 +4718,7 @@
                   <a:schemeClr val="bg1"/>
                 </a:solidFill>
               </a:rPr>
-              <a:t>Shall not kneel shall not faint</a:t>
+              <a:t>To the Father are restored</a:t>
             </a:r>
           </a:p>
         </p:txBody>
@@ -4414,8 +4731,8 @@
         </p:nvSpPr>
         <p:spPr>
           <a:xfrm>
-            <a:off x="8529729" y="0"/>
-            <a:ext cx="628698" cy="461665"/>
+            <a:off x="8392084" y="-14884"/>
+            <a:ext cx="784189" cy="461665"/>
           </a:xfrm>
           <a:prstGeom prst="rect">
             <a:avLst/>
@@ -4434,7 +4751,7 @@
                   <a:schemeClr val="bg1"/>
                 </a:solidFill>
               </a:rPr>
-              <a:t>8/9</a:t>
+              <a:t>8/11</a:t>
             </a:r>
           </a:p>
         </p:txBody>
@@ -4442,7 +4759,7 @@
     </p:spTree>
     <p:extLst>
       <p:ext uri="{BB962C8B-B14F-4D97-AF65-F5344CB8AC3E}">
-        <p14:creationId xmlns:p14="http://schemas.microsoft.com/office/powerpoint/2010/main" val="3632770272"/>
+        <p14:creationId xmlns:p14="http://schemas.microsoft.com/office/powerpoint/2010/main" val="2112520271"/>
       </p:ext>
     </p:extLst>
   </p:cSld>
